--- a/Documentation/Power Pipelines and Enhanced ALM.pptx
+++ b/Documentation/Power Pipelines and Enhanced ALM.pptx
@@ -5,52 +5,34 @@
     <p:sldMasterId id="2147483705" r:id="rId4"/>
   </p:sldMasterIdLst>
   <p:notesMasterIdLst>
-    <p:notesMasterId r:id="rId19"/>
+    <p:notesMasterId r:id="rId20"/>
   </p:notesMasterIdLst>
   <p:sldIdLst>
     <p:sldId id="256" r:id="rId5"/>
     <p:sldId id="415" r:id="rId6"/>
     <p:sldId id="416" r:id="rId7"/>
     <p:sldId id="417" r:id="rId8"/>
-    <p:sldId id="418" r:id="rId9"/>
-    <p:sldId id="425" r:id="rId10"/>
-    <p:sldId id="422" r:id="rId11"/>
-    <p:sldId id="424" r:id="rId12"/>
-    <p:sldId id="423" r:id="rId13"/>
-    <p:sldId id="419" r:id="rId14"/>
-    <p:sldId id="427" r:id="rId15"/>
-    <p:sldId id="426" r:id="rId16"/>
-    <p:sldId id="420" r:id="rId17"/>
-    <p:sldId id="421" r:id="rId18"/>
+    <p:sldId id="428" r:id="rId9"/>
+    <p:sldId id="418" r:id="rId10"/>
+    <p:sldId id="425" r:id="rId11"/>
+    <p:sldId id="422" r:id="rId12"/>
+    <p:sldId id="424" r:id="rId13"/>
+    <p:sldId id="423" r:id="rId14"/>
+    <p:sldId id="419" r:id="rId15"/>
+    <p:sldId id="427" r:id="rId16"/>
+    <p:sldId id="426" r:id="rId17"/>
+    <p:sldId id="420" r:id="rId18"/>
+    <p:sldId id="421" r:id="rId19"/>
   </p:sldIdLst>
   <p:sldSz cx="9144000" cy="5143500" type="screen16x9"/>
   <p:notesSz cx="6858000" cy="9144000"/>
   <p:embeddedFontLst>
     <p:embeddedFont>
-      <p:font typeface="Merriweather Sans" pitchFamily="2" charset="0"/>
-      <p:regular r:id="rId20"/>
-      <p:bold r:id="rId21"/>
-      <p:italic r:id="rId22"/>
-      <p:boldItalic r:id="rId23"/>
-    </p:embeddedFont>
-    <p:embeddedFont>
-      <p:font typeface="Poppins" panose="00000500000000000000" pitchFamily="2" charset="0"/>
-      <p:regular r:id="rId24"/>
-      <p:bold r:id="rId25"/>
-      <p:italic r:id="rId26"/>
-      <p:boldItalic r:id="rId27"/>
-    </p:embeddedFont>
-    <p:embeddedFont>
-      <p:font typeface="Poppins SemiBold" panose="00000700000000000000" pitchFamily="2" charset="0"/>
-      <p:bold r:id="rId28"/>
-      <p:boldItalic r:id="rId29"/>
-    </p:embeddedFont>
-    <p:embeddedFont>
-      <p:font typeface="Roboto" panose="02000000000000000000" pitchFamily="2" charset="0"/>
-      <p:regular r:id="rId30"/>
-      <p:bold r:id="rId31"/>
-      <p:italic r:id="rId32"/>
-      <p:boldItalic r:id="rId33"/>
+      <p:font typeface="Roboto" panose="020B0604020202020204" charset="0"/>
+      <p:regular r:id="rId21"/>
+      <p:bold r:id="rId22"/>
+      <p:italic r:id="rId23"/>
+      <p:boldItalic r:id="rId24"/>
     </p:embeddedFont>
   </p:embeddedFontLst>
   <p:defaultTextStyle>
@@ -291,6 +273,7 @@
             <p14:sldId id="415"/>
             <p14:sldId id="416"/>
             <p14:sldId id="417"/>
+            <p14:sldId id="428"/>
           </p14:sldIdLst>
         </p14:section>
         <p14:section name="Register" id="{4D8B4819-8DF5-446C-A714-E97A03F2C080}">
@@ -331,7 +314,7 @@
 <file path=ppt/revisionInfo.xml><?xml version="1.0" encoding="utf-8"?>
 <p1510:revInfo xmlns:a="http://schemas.openxmlformats.org/drawingml/2006/main" xmlns:r="http://schemas.openxmlformats.org/officeDocument/2006/relationships" xmlns:p1510="http://schemas.microsoft.com/office/powerpoint/2015/10/main">
   <p1510:revLst>
-    <p1510:client id="{43F09351-2914-47EE-842B-527BBD416BB5}" v="6" dt="2024-05-05T13:54:12.130"/>
+    <p1510:client id="{43F09351-2914-47EE-842B-527BBD416BB5}" v="26" dt="2024-05-09T15:32:15.410"/>
   </p1510:revLst>
 </p1510:revInfo>
 </file>
@@ -341,7 +324,7 @@
   <pc:docChgLst>
     <pc:chgData name="Ed Williams" userId="f1ef7714-f454-49be-a7e6-f3d85124f79b" providerId="ADAL" clId="{43F09351-2914-47EE-842B-527BBD416BB5}"/>
     <pc:docChg chg="undo custSel addSld delSld modSld sldOrd addSection delSection modSection">
-      <pc:chgData name="Ed Williams" userId="f1ef7714-f454-49be-a7e6-f3d85124f79b" providerId="ADAL" clId="{43F09351-2914-47EE-842B-527BBD416BB5}" dt="2024-05-05T14:18:46.455" v="1743" actId="20577"/>
+      <pc:chgData name="Ed Williams" userId="f1ef7714-f454-49be-a7e6-f3d85124f79b" providerId="ADAL" clId="{43F09351-2914-47EE-842B-527BBD416BB5}" dt="2024-05-09T15:32:15.410" v="1770" actId="20577"/>
       <pc:docMkLst>
         <pc:docMk/>
       </pc:docMkLst>
@@ -925,6 +908,53 @@
           </ac:spMkLst>
         </pc:spChg>
       </pc:sldChg>
+      <pc:sldChg chg="addSp delSp modSp new mod">
+        <pc:chgData name="Ed Williams" userId="f1ef7714-f454-49be-a7e6-f3d85124f79b" providerId="ADAL" clId="{43F09351-2914-47EE-842B-527BBD416BB5}" dt="2024-05-09T15:32:15.410" v="1770" actId="20577"/>
+        <pc:sldMkLst>
+          <pc:docMk/>
+          <pc:sldMk cId="3160659491" sldId="428"/>
+        </pc:sldMkLst>
+        <pc:spChg chg="del">
+          <ac:chgData name="Ed Williams" userId="f1ef7714-f454-49be-a7e6-f3d85124f79b" providerId="ADAL" clId="{43F09351-2914-47EE-842B-527BBD416BB5}" dt="2024-05-09T15:31:55.798" v="1748" actId="478"/>
+          <ac:spMkLst>
+            <pc:docMk/>
+            <pc:sldMk cId="3160659491" sldId="428"/>
+            <ac:spMk id="2" creationId="{E5A833EE-5424-81B0-16B2-8121B3D934C7}"/>
+          </ac:spMkLst>
+        </pc:spChg>
+        <pc:spChg chg="del">
+          <ac:chgData name="Ed Williams" userId="f1ef7714-f454-49be-a7e6-f3d85124f79b" providerId="ADAL" clId="{43F09351-2914-47EE-842B-527BBD416BB5}" dt="2024-05-09T15:31:57.703" v="1749" actId="478"/>
+          <ac:spMkLst>
+            <pc:docMk/>
+            <pc:sldMk cId="3160659491" sldId="428"/>
+            <ac:spMk id="4" creationId="{9506EB99-A62E-D87F-387B-ABCCDAB67309}"/>
+          </ac:spMkLst>
+        </pc:spChg>
+        <pc:spChg chg="del">
+          <ac:chgData name="Ed Williams" userId="f1ef7714-f454-49be-a7e6-f3d85124f79b" providerId="ADAL" clId="{43F09351-2914-47EE-842B-527BBD416BB5}" dt="2024-05-09T15:32:00.425" v="1751" actId="478"/>
+          <ac:spMkLst>
+            <pc:docMk/>
+            <pc:sldMk cId="3160659491" sldId="428"/>
+            <ac:spMk id="5" creationId="{14900AF4-0F7B-418E-6E00-BCBBACF11664}"/>
+          </ac:spMkLst>
+        </pc:spChg>
+        <pc:spChg chg="add mod">
+          <ac:chgData name="Ed Williams" userId="f1ef7714-f454-49be-a7e6-f3d85124f79b" providerId="ADAL" clId="{43F09351-2914-47EE-842B-527BBD416BB5}" dt="2024-05-09T15:32:15.410" v="1770" actId="20577"/>
+          <ac:spMkLst>
+            <pc:docMk/>
+            <pc:sldMk cId="3160659491" sldId="428"/>
+            <ac:spMk id="8" creationId="{F70974D9-F755-9BDB-6529-CCAAAADC4E20}"/>
+          </ac:spMkLst>
+        </pc:spChg>
+        <pc:picChg chg="add mod">
+          <ac:chgData name="Ed Williams" userId="f1ef7714-f454-49be-a7e6-f3d85124f79b" providerId="ADAL" clId="{43F09351-2914-47EE-842B-527BBD416BB5}" dt="2024-05-09T15:32:05.434" v="1754" actId="1076"/>
+          <ac:picMkLst>
+            <pc:docMk/>
+            <pc:sldMk cId="3160659491" sldId="428"/>
+            <ac:picMk id="7" creationId="{B84220F8-3F06-1AF7-6AAF-B4E157887924}"/>
+          </ac:picMkLst>
+        </pc:picChg>
+      </pc:sldChg>
     </pc:docChg>
   </pc:docChgLst>
 </pc:chgInfo>
@@ -1464,7 +1494,7 @@
               </a:spcAft>
               <a:buNone/>
             </a:pPr>
-            <a:endParaRPr dirty="0"/>
+            <a:endParaRPr/>
           </a:p>
         </p:txBody>
       </p:sp>
@@ -1584,7 +1614,7 @@
               </a:spcAft>
               <a:buNone/>
             </a:pPr>
-            <a:endParaRPr dirty="0"/>
+            <a:endParaRPr/>
           </a:p>
         </p:txBody>
       </p:sp>
@@ -1633,7 +1663,7 @@
               </a:spcAft>
               <a:buNone/>
             </a:pPr>
-            <a:endParaRPr dirty="0"/>
+            <a:endParaRPr/>
           </a:p>
         </p:txBody>
       </p:sp>
@@ -2073,7 +2103,7 @@
               </a:spcAft>
               <a:buNone/>
             </a:pPr>
-            <a:endParaRPr dirty="0">
+            <a:endParaRPr>
               <a:latin typeface="Roboto"/>
               <a:ea typeface="Roboto"/>
               <a:cs typeface="Roboto"/>
@@ -2211,7 +2241,7 @@
               </a:spcAft>
               <a:buNone/>
             </a:pPr>
-            <a:endParaRPr dirty="0"/>
+            <a:endParaRPr/>
           </a:p>
         </p:txBody>
       </p:sp>
@@ -2677,7 +2707,7 @@
               </a:spcAft>
               <a:buNone/>
             </a:pPr>
-            <a:endParaRPr dirty="0">
+            <a:endParaRPr>
               <a:latin typeface="Roboto"/>
               <a:ea typeface="Roboto"/>
               <a:cs typeface="Roboto"/>
@@ -2807,7 +2837,7 @@
               </a:spcAft>
               <a:buNone/>
             </a:pPr>
-            <a:endParaRPr dirty="0"/>
+            <a:endParaRPr/>
           </a:p>
         </p:txBody>
       </p:sp>
@@ -3266,7 +3296,7 @@
               </a:spcAft>
               <a:buNone/>
             </a:pPr>
-            <a:endParaRPr dirty="0">
+            <a:endParaRPr>
               <a:latin typeface="Roboto"/>
               <a:ea typeface="Roboto"/>
               <a:cs typeface="Roboto"/>
@@ -3533,7 +3563,7 @@
               <a:rPr lang="en-US"/>
               <a:t>‹#›</a:t>
             </a:fld>
-            <a:endParaRPr dirty="0"/>
+            <a:endParaRPr/>
           </a:p>
         </p:txBody>
       </p:sp>
@@ -3839,7 +3869,7 @@
               </a:spcAft>
               <a:buNone/>
             </a:pPr>
-            <a:endParaRPr dirty="0">
+            <a:endParaRPr>
               <a:latin typeface="Roboto"/>
               <a:ea typeface="Roboto"/>
               <a:cs typeface="Roboto"/>
@@ -4544,7 +4574,7 @@
               <a:rPr lang="en-US"/>
               <a:t>‹#›</a:t>
             </a:fld>
-            <a:endParaRPr dirty="0"/>
+            <a:endParaRPr/>
           </a:p>
         </p:txBody>
       </p:sp>
@@ -4849,7 +4879,7 @@
           <a:p>
             <a:pPr algn="ctr"/>
             <a:r>
-              <a:rPr lang="en-US" sz="600" dirty="0"/>
+              <a:rPr lang="en-US" sz="600"/>
               <a:t>COMPANY PROPRIETARY</a:t>
             </a:r>
           </a:p>
@@ -5731,10 +5761,10 @@
               <a:buNone/>
             </a:pPr>
             <a:r>
-              <a:rPr lang="en-US" dirty="0"/>
+              <a:rPr lang="en-US"/>
               <a:t>Power Pipelines and Enhanced ALM</a:t>
             </a:r>
-            <a:endParaRPr dirty="0"/>
+            <a:endParaRPr/>
           </a:p>
         </p:txBody>
       </p:sp>
@@ -5773,10 +5803,10 @@
               <a:buNone/>
             </a:pPr>
             <a:r>
-              <a:rPr lang="en-US" dirty="0"/>
+              <a:rPr lang="en-US"/>
               <a:t>WORDS</a:t>
             </a:r>
-            <a:endParaRPr dirty="0"/>
+            <a:endParaRPr/>
           </a:p>
         </p:txBody>
       </p:sp>
@@ -5818,7 +5848,7 @@
               <a:rPr lang="en-US"/>
               <a:t>1</a:t>
             </a:fld>
-            <a:endParaRPr dirty="0"/>
+            <a:endParaRPr/>
           </a:p>
         </p:txBody>
       </p:sp>
@@ -5831,7 +5861,7 @@
 </file>
 
 <file path=ppt/slides/slide10.xml><?xml version="1.0" encoding="utf-8"?>
-<p:sld xmlns:a="http://schemas.openxmlformats.org/drawingml/2006/main" xmlns:r="http://schemas.openxmlformats.org/officeDocument/2006/relationships" xmlns:p="http://schemas.openxmlformats.org/presentationml/2006/main">
+<p:sld xmlns:a="http://schemas.openxmlformats.org/drawingml/2006/main" xmlns:r="http://schemas.openxmlformats.org/officeDocument/2006/relationships" xmlns:p="http://schemas.openxmlformats.org/presentationml/2006/main" show="0">
   <p:cSld>
     <p:spTree>
       <p:nvGrpSpPr>
@@ -5849,38 +5879,10 @@
       </p:grpSpPr>
       <p:sp>
         <p:nvSpPr>
-          <p:cNvPr id="2" name="Title 1">
-            <a:extLst>
-              <a:ext uri="{FF2B5EF4-FFF2-40B4-BE49-F238E27FC236}">
-                <a16:creationId xmlns:a16="http://schemas.microsoft.com/office/drawing/2014/main" id="{4F2C7765-4956-FAEA-1C2B-7A99E501BF86}"/>
-              </a:ext>
-            </a:extLst>
-          </p:cNvPr>
-          <p:cNvSpPr>
-            <a:spLocks noGrp="1"/>
-          </p:cNvSpPr>
-          <p:nvPr>
-            <p:ph type="title"/>
-          </p:nvPr>
-        </p:nvSpPr>
-        <p:spPr/>
-        <p:txBody>
-          <a:bodyPr/>
-          <a:lstStyle/>
-          <a:p>
-            <a:r>
-              <a:rPr lang="en-US" dirty="0"/>
-              <a:t>Collecting Solution Information</a:t>
-            </a:r>
-          </a:p>
-        </p:txBody>
-      </p:sp>
-      <p:sp>
-        <p:nvSpPr>
           <p:cNvPr id="3" name="Slide Number Placeholder 2">
             <a:extLst>
               <a:ext uri="{FF2B5EF4-FFF2-40B4-BE49-F238E27FC236}">
-                <a16:creationId xmlns:a16="http://schemas.microsoft.com/office/drawing/2014/main" id="{9F997EB9-0C9B-C70F-A619-D9AAAD54A107}"/>
+                <a16:creationId xmlns:a16="http://schemas.microsoft.com/office/drawing/2014/main" id="{A822E89C-1092-9002-BEDC-68AC9A5DDF36}"/>
               </a:ext>
             </a:extLst>
           </p:cNvPr>
@@ -5909,16 +5911,16 @@
               <a:rPr lang="en-US" smtClean="0"/>
               <a:t>10</a:t>
             </a:fld>
-            <a:endParaRPr lang="en-US" dirty="0"/>
+            <a:endParaRPr lang="en-US"/>
           </a:p>
         </p:txBody>
       </p:sp>
       <p:pic>
         <p:nvPicPr>
-          <p:cNvPr id="7" name="Picture 6">
+          <p:cNvPr id="4" name="Picture 3">
             <a:extLst>
               <a:ext uri="{FF2B5EF4-FFF2-40B4-BE49-F238E27FC236}">
-                <a16:creationId xmlns:a16="http://schemas.microsoft.com/office/drawing/2014/main" id="{27A6E8C2-3CCA-E633-40E0-471C66D4C4EE}"/>
+                <a16:creationId xmlns:a16="http://schemas.microsoft.com/office/drawing/2014/main" id="{6163288C-4060-529D-5B68-52D4576B3520}"/>
               </a:ext>
             </a:extLst>
           </p:cNvPr>
@@ -5935,18 +5937,304 @@
         </p:blipFill>
         <p:spPr>
           <a:xfrm>
-            <a:off x="1174595" y="841136"/>
-            <a:ext cx="6794810" cy="3822081"/>
+            <a:off x="2679192" y="886968"/>
+            <a:ext cx="6306372" cy="3026664"/>
           </a:xfrm>
           <a:prstGeom prst="rect">
             <a:avLst/>
           </a:prstGeom>
         </p:spPr>
       </p:pic>
+      <p:sp>
+        <p:nvSpPr>
+          <p:cNvPr id="6" name="Text Placeholder 4">
+            <a:extLst>
+              <a:ext uri="{FF2B5EF4-FFF2-40B4-BE49-F238E27FC236}">
+                <a16:creationId xmlns:a16="http://schemas.microsoft.com/office/drawing/2014/main" id="{B97EADF9-A392-134B-2C74-23B9B18C621E}"/>
+              </a:ext>
+            </a:extLst>
+          </p:cNvPr>
+          <p:cNvSpPr txBox="1">
+            <a:spLocks/>
+          </p:cNvSpPr>
+          <p:nvPr/>
+        </p:nvSpPr>
+        <p:spPr>
+          <a:xfrm>
+            <a:off x="0" y="884177"/>
+            <a:ext cx="2678064" cy="3026484"/>
+          </a:xfrm>
+          <a:prstGeom prst="rect">
+            <a:avLst/>
+          </a:prstGeom>
+          <a:noFill/>
+          <a:ln>
+            <a:noFill/>
+          </a:ln>
+        </p:spPr>
+        <p:txBody>
+          <a:bodyPr spcFirstLastPara="1" wrap="square" lIns="0" tIns="91425" rIns="91425" bIns="91425" anchor="t" anchorCtr="0">
+            <a:noAutofit/>
+          </a:bodyPr>
+          <a:lstStyle>
+            <a:defPPr marR="0" lvl="0" algn="l" rtl="0">
+              <a:lnSpc>
+                <a:spcPct val="100000"/>
+              </a:lnSpc>
+              <a:spcBef>
+                <a:spcPts val="0"/>
+              </a:spcBef>
+              <a:spcAft>
+                <a:spcPts val="0"/>
+              </a:spcAft>
+            </a:defPPr>
+            <a:lvl1pPr marL="457200" marR="0" lvl="0" indent="-304800" algn="l" rtl="0">
+              <a:lnSpc>
+                <a:spcPct val="115000"/>
+              </a:lnSpc>
+              <a:spcBef>
+                <a:spcPts val="0"/>
+              </a:spcBef>
+              <a:spcAft>
+                <a:spcPts val="0"/>
+              </a:spcAft>
+              <a:buClr>
+                <a:schemeClr val="accent2"/>
+              </a:buClr>
+              <a:buSzPts val="1200"/>
+              <a:buFont typeface="Roboto"/>
+              <a:buChar char="●"/>
+              <a:defRPr sz="1200" b="0" i="0" u="none" strike="noStrike" cap="none">
+                <a:solidFill>
+                  <a:srgbClr val="434343"/>
+                </a:solidFill>
+                <a:latin typeface="Roboto"/>
+                <a:ea typeface="Roboto"/>
+                <a:cs typeface="Roboto"/>
+                <a:sym typeface="Roboto"/>
+              </a:defRPr>
+            </a:lvl1pPr>
+            <a:lvl2pPr marL="914400" marR="0" lvl="1" indent="-304800" algn="l" rtl="0">
+              <a:lnSpc>
+                <a:spcPct val="115000"/>
+              </a:lnSpc>
+              <a:spcBef>
+                <a:spcPts val="1600"/>
+              </a:spcBef>
+              <a:spcAft>
+                <a:spcPts val="0"/>
+              </a:spcAft>
+              <a:buClr>
+                <a:srgbClr val="434343"/>
+              </a:buClr>
+              <a:buSzPts val="1200"/>
+              <a:buFont typeface="Roboto"/>
+              <a:buChar char="•"/>
+              <a:defRPr sz="1200" b="0" i="0" u="none" strike="noStrike" cap="none">
+                <a:solidFill>
+                  <a:srgbClr val="434343"/>
+                </a:solidFill>
+                <a:latin typeface="Roboto"/>
+                <a:ea typeface="Roboto"/>
+                <a:cs typeface="Roboto"/>
+                <a:sym typeface="Roboto"/>
+              </a:defRPr>
+            </a:lvl2pPr>
+            <a:lvl3pPr marL="1371600" marR="0" lvl="2" indent="-304800" algn="l" rtl="0">
+              <a:lnSpc>
+                <a:spcPct val="115000"/>
+              </a:lnSpc>
+              <a:spcBef>
+                <a:spcPts val="1600"/>
+              </a:spcBef>
+              <a:spcAft>
+                <a:spcPts val="0"/>
+              </a:spcAft>
+              <a:buClr>
+                <a:srgbClr val="434343"/>
+              </a:buClr>
+              <a:buSzPts val="1200"/>
+              <a:buFont typeface="Roboto"/>
+              <a:buChar char="𐩑"/>
+              <a:defRPr sz="1200" b="0" i="0" u="none" strike="noStrike" cap="none">
+                <a:solidFill>
+                  <a:srgbClr val="434343"/>
+                </a:solidFill>
+                <a:latin typeface="Roboto"/>
+                <a:ea typeface="Roboto"/>
+                <a:cs typeface="Roboto"/>
+                <a:sym typeface="Roboto"/>
+              </a:defRPr>
+            </a:lvl3pPr>
+            <a:lvl4pPr marL="1828800" marR="0" lvl="3" indent="-304800" algn="l" rtl="0">
+              <a:lnSpc>
+                <a:spcPct val="115000"/>
+              </a:lnSpc>
+              <a:spcBef>
+                <a:spcPts val="1600"/>
+              </a:spcBef>
+              <a:spcAft>
+                <a:spcPts val="0"/>
+              </a:spcAft>
+              <a:buClr>
+                <a:srgbClr val="434343"/>
+              </a:buClr>
+              <a:buSzPts val="1200"/>
+              <a:buFont typeface="Roboto"/>
+              <a:buChar char="‑"/>
+              <a:defRPr sz="1200" b="0" i="0" u="none" strike="noStrike" cap="none">
+                <a:solidFill>
+                  <a:srgbClr val="434343"/>
+                </a:solidFill>
+                <a:latin typeface="Roboto"/>
+                <a:ea typeface="Roboto"/>
+                <a:cs typeface="Roboto"/>
+                <a:sym typeface="Roboto"/>
+              </a:defRPr>
+            </a:lvl4pPr>
+            <a:lvl5pPr marL="2286000" marR="0" lvl="4" indent="-304800" algn="l" rtl="0">
+              <a:lnSpc>
+                <a:spcPct val="115000"/>
+              </a:lnSpc>
+              <a:spcBef>
+                <a:spcPts val="1600"/>
+              </a:spcBef>
+              <a:spcAft>
+                <a:spcPts val="0"/>
+              </a:spcAft>
+              <a:buClr>
+                <a:srgbClr val="434343"/>
+              </a:buClr>
+              <a:buSzPts val="1200"/>
+              <a:buFont typeface="Roboto"/>
+              <a:buChar char="•"/>
+              <a:defRPr sz="1200" b="0" i="0" u="none" strike="noStrike" cap="none">
+                <a:solidFill>
+                  <a:srgbClr val="434343"/>
+                </a:solidFill>
+                <a:latin typeface="Roboto"/>
+                <a:ea typeface="Roboto"/>
+                <a:cs typeface="Roboto"/>
+                <a:sym typeface="Roboto"/>
+              </a:defRPr>
+            </a:lvl5pPr>
+            <a:lvl6pPr marL="2743200" marR="0" lvl="5" indent="-304800" algn="l" rtl="0">
+              <a:lnSpc>
+                <a:spcPct val="115000"/>
+              </a:lnSpc>
+              <a:spcBef>
+                <a:spcPts val="1600"/>
+              </a:spcBef>
+              <a:spcAft>
+                <a:spcPts val="0"/>
+              </a:spcAft>
+              <a:buClr>
+                <a:srgbClr val="434343"/>
+              </a:buClr>
+              <a:buSzPts val="1200"/>
+              <a:buFont typeface="Roboto"/>
+              <a:buChar char="𐩑"/>
+              <a:defRPr sz="1200" b="0" i="0" u="none" strike="noStrike" cap="none">
+                <a:solidFill>
+                  <a:srgbClr val="434343"/>
+                </a:solidFill>
+                <a:latin typeface="Roboto"/>
+                <a:ea typeface="Roboto"/>
+                <a:cs typeface="Roboto"/>
+                <a:sym typeface="Roboto"/>
+              </a:defRPr>
+            </a:lvl6pPr>
+            <a:lvl7pPr marL="3200400" marR="0" lvl="6" indent="-304800" algn="l" rtl="0">
+              <a:lnSpc>
+                <a:spcPct val="115000"/>
+              </a:lnSpc>
+              <a:spcBef>
+                <a:spcPts val="1600"/>
+              </a:spcBef>
+              <a:spcAft>
+                <a:spcPts val="0"/>
+              </a:spcAft>
+              <a:buClr>
+                <a:srgbClr val="434343"/>
+              </a:buClr>
+              <a:buSzPts val="1200"/>
+              <a:buFont typeface="Roboto"/>
+              <a:buChar char="‑"/>
+              <a:defRPr sz="1200" b="0" i="0" u="none" strike="noStrike" cap="none">
+                <a:solidFill>
+                  <a:srgbClr val="434343"/>
+                </a:solidFill>
+                <a:latin typeface="Roboto"/>
+                <a:ea typeface="Roboto"/>
+                <a:cs typeface="Roboto"/>
+                <a:sym typeface="Roboto"/>
+              </a:defRPr>
+            </a:lvl7pPr>
+            <a:lvl8pPr marL="3657600" marR="0" lvl="7" indent="-304800" algn="l" rtl="0">
+              <a:lnSpc>
+                <a:spcPct val="115000"/>
+              </a:lnSpc>
+              <a:spcBef>
+                <a:spcPts val="1600"/>
+              </a:spcBef>
+              <a:spcAft>
+                <a:spcPts val="0"/>
+              </a:spcAft>
+              <a:buClr>
+                <a:srgbClr val="434343"/>
+              </a:buClr>
+              <a:buSzPts val="1200"/>
+              <a:buFont typeface="Roboto"/>
+              <a:buChar char="•"/>
+              <a:defRPr sz="1200" b="0" i="0" u="none" strike="noStrike" cap="none">
+                <a:solidFill>
+                  <a:srgbClr val="434343"/>
+                </a:solidFill>
+                <a:latin typeface="Roboto"/>
+                <a:ea typeface="Roboto"/>
+                <a:cs typeface="Roboto"/>
+                <a:sym typeface="Roboto"/>
+              </a:defRPr>
+            </a:lvl8pPr>
+            <a:lvl9pPr marL="4114800" marR="0" lvl="8" indent="-304800" algn="l" rtl="0">
+              <a:lnSpc>
+                <a:spcPct val="115000"/>
+              </a:lnSpc>
+              <a:spcBef>
+                <a:spcPts val="1600"/>
+              </a:spcBef>
+              <a:spcAft>
+                <a:spcPts val="1600"/>
+              </a:spcAft>
+              <a:buClr>
+                <a:srgbClr val="434343"/>
+              </a:buClr>
+              <a:buSzPts val="1200"/>
+              <a:buFont typeface="Roboto"/>
+              <a:buChar char="𐩑"/>
+              <a:defRPr sz="1200" b="0" i="0" u="none" strike="noStrike" cap="none">
+                <a:solidFill>
+                  <a:srgbClr val="434343"/>
+                </a:solidFill>
+                <a:latin typeface="Roboto"/>
+                <a:ea typeface="Roboto"/>
+                <a:cs typeface="Roboto"/>
+                <a:sym typeface="Roboto"/>
+              </a:defRPr>
+            </a:lvl9pPr>
+          </a:lstStyle>
+          <a:p>
+            <a:r>
+              <a:rPr lang="en-US"/>
+              <a:t>Customers</a:t>
+            </a:r>
+          </a:p>
+        </p:txBody>
+      </p:sp>
     </p:spTree>
     <p:extLst>
       <p:ext uri="{BB962C8B-B14F-4D97-AF65-F5344CB8AC3E}">
-        <p14:creationId xmlns:p14="http://schemas.microsoft.com/office/powerpoint/2010/main" val="339533113"/>
+        <p14:creationId xmlns:p14="http://schemas.microsoft.com/office/powerpoint/2010/main" val="2450584025"/>
       </p:ext>
     </p:extLst>
   </p:cSld>
@@ -5995,8 +6283,8 @@
           <a:lstStyle/>
           <a:p>
             <a:r>
-              <a:rPr lang="en-US" dirty="0"/>
-              <a:t>Approving Project</a:t>
+              <a:rPr lang="en-US"/>
+              <a:t>Collecting Solution Information</a:t>
             </a:r>
           </a:p>
         </p:txBody>
@@ -6035,52 +6323,44 @@
               <a:rPr lang="en-US" smtClean="0"/>
               <a:t>11</a:t>
             </a:fld>
-            <a:endParaRPr lang="en-US" dirty="0"/>
+            <a:endParaRPr lang="en-US"/>
           </a:p>
         </p:txBody>
       </p:sp>
-      <p:sp>
-        <p:nvSpPr>
-          <p:cNvPr id="4" name="Text Placeholder 3">
+      <p:pic>
+        <p:nvPicPr>
+          <p:cNvPr id="7" name="Picture 6">
             <a:extLst>
               <a:ext uri="{FF2B5EF4-FFF2-40B4-BE49-F238E27FC236}">
-                <a16:creationId xmlns:a16="http://schemas.microsoft.com/office/drawing/2014/main" id="{42DE017F-2A0A-17CA-44DA-9944494FCA7B}"/>
+                <a16:creationId xmlns:a16="http://schemas.microsoft.com/office/drawing/2014/main" id="{27A6E8C2-3CCA-E633-40E0-471C66D4C4EE}"/>
               </a:ext>
             </a:extLst>
           </p:cNvPr>
-          <p:cNvSpPr>
-            <a:spLocks noGrp="1"/>
-          </p:cNvSpPr>
-          <p:nvPr>
-            <p:ph type="body" idx="1"/>
-          </p:nvPr>
-        </p:nvSpPr>
+          <p:cNvPicPr>
+            <a:picLocks noChangeAspect="1"/>
+          </p:cNvPicPr>
+          <p:nvPr/>
+        </p:nvPicPr>
+        <p:blipFill>
+          <a:blip r:embed="rId2"/>
+          <a:stretch>
+            <a:fillRect/>
+          </a:stretch>
+        </p:blipFill>
         <p:spPr>
           <a:xfrm>
-            <a:off x="457200" y="891375"/>
-            <a:ext cx="8396868" cy="3561300"/>
+            <a:off x="1174595" y="841136"/>
+            <a:ext cx="6794810" cy="3822081"/>
           </a:xfrm>
+          <a:prstGeom prst="rect">
+            <a:avLst/>
+          </a:prstGeom>
         </p:spPr>
-        <p:txBody>
-          <a:bodyPr/>
-          <a:lstStyle/>
-          <a:p>
-            <a:r>
-              <a:rPr lang="en-US" sz="2000" dirty="0"/>
-              <a:t>A project request is sent to the first line approver defined in the </a:t>
-            </a:r>
-            <a:r>
-              <a:rPr lang="en-US" sz="2000"/>
-              <a:t>approvers table</a:t>
-            </a:r>
-            <a:endParaRPr lang="en-US" sz="2000" dirty="0"/>
-          </a:p>
-        </p:txBody>
-      </p:sp>
+      </p:pic>
     </p:spTree>
     <p:extLst>
       <p:ext uri="{BB962C8B-B14F-4D97-AF65-F5344CB8AC3E}">
-        <p14:creationId xmlns:p14="http://schemas.microsoft.com/office/powerpoint/2010/main" val="714919023"/>
+        <p14:creationId xmlns:p14="http://schemas.microsoft.com/office/powerpoint/2010/main" val="339533113"/>
       </p:ext>
     </p:extLst>
   </p:cSld>
@@ -6129,7 +6409,136 @@
           <a:lstStyle/>
           <a:p>
             <a:r>
-              <a:rPr lang="en-US" dirty="0"/>
+              <a:rPr lang="en-US"/>
+              <a:t>Approving Project</a:t>
+            </a:r>
+          </a:p>
+        </p:txBody>
+      </p:sp>
+      <p:sp>
+        <p:nvSpPr>
+          <p:cNvPr id="3" name="Slide Number Placeholder 2">
+            <a:extLst>
+              <a:ext uri="{FF2B5EF4-FFF2-40B4-BE49-F238E27FC236}">
+                <a16:creationId xmlns:a16="http://schemas.microsoft.com/office/drawing/2014/main" id="{9F997EB9-0C9B-C70F-A619-D9AAAD54A107}"/>
+              </a:ext>
+            </a:extLst>
+          </p:cNvPr>
+          <p:cNvSpPr>
+            <a:spLocks noGrp="1"/>
+          </p:cNvSpPr>
+          <p:nvPr>
+            <p:ph type="sldNum" idx="12"/>
+          </p:nvPr>
+        </p:nvSpPr>
+        <p:spPr/>
+        <p:txBody>
+          <a:bodyPr/>
+          <a:lstStyle/>
+          <a:p>
+            <a:pPr marL="0" lvl="0" indent="0" algn="l" rtl="0">
+              <a:spcBef>
+                <a:spcPts val="0"/>
+              </a:spcBef>
+              <a:spcAft>
+                <a:spcPts val="0"/>
+              </a:spcAft>
+              <a:buNone/>
+            </a:pPr>
+            <a:fld id="{00000000-1234-1234-1234-123412341234}" type="slidenum">
+              <a:rPr lang="en-US" smtClean="0"/>
+              <a:t>12</a:t>
+            </a:fld>
+            <a:endParaRPr lang="en-US"/>
+          </a:p>
+        </p:txBody>
+      </p:sp>
+      <p:sp>
+        <p:nvSpPr>
+          <p:cNvPr id="4" name="Text Placeholder 3">
+            <a:extLst>
+              <a:ext uri="{FF2B5EF4-FFF2-40B4-BE49-F238E27FC236}">
+                <a16:creationId xmlns:a16="http://schemas.microsoft.com/office/drawing/2014/main" id="{42DE017F-2A0A-17CA-44DA-9944494FCA7B}"/>
+              </a:ext>
+            </a:extLst>
+          </p:cNvPr>
+          <p:cNvSpPr>
+            <a:spLocks noGrp="1"/>
+          </p:cNvSpPr>
+          <p:nvPr>
+            <p:ph type="body" idx="1"/>
+          </p:nvPr>
+        </p:nvSpPr>
+        <p:spPr>
+          <a:xfrm>
+            <a:off x="457200" y="891375"/>
+            <a:ext cx="8396868" cy="3561300"/>
+          </a:xfrm>
+        </p:spPr>
+        <p:txBody>
+          <a:bodyPr/>
+          <a:lstStyle/>
+          <a:p>
+            <a:r>
+              <a:rPr lang="en-US" sz="2000"/>
+              <a:t>A project request is sent to the first line approver defined in the approvers table</a:t>
+            </a:r>
+          </a:p>
+        </p:txBody>
+      </p:sp>
+    </p:spTree>
+    <p:extLst>
+      <p:ext uri="{BB962C8B-B14F-4D97-AF65-F5344CB8AC3E}">
+        <p14:creationId xmlns:p14="http://schemas.microsoft.com/office/powerpoint/2010/main" val="714919023"/>
+      </p:ext>
+    </p:extLst>
+  </p:cSld>
+  <p:clrMapOvr>
+    <a:masterClrMapping/>
+  </p:clrMapOvr>
+</p:sld>
+</file>
+
+<file path=ppt/slides/slide13.xml><?xml version="1.0" encoding="utf-8"?>
+<p:sld xmlns:a="http://schemas.openxmlformats.org/drawingml/2006/main" xmlns:r="http://schemas.openxmlformats.org/officeDocument/2006/relationships" xmlns:p="http://schemas.openxmlformats.org/presentationml/2006/main">
+  <p:cSld>
+    <p:spTree>
+      <p:nvGrpSpPr>
+        <p:cNvPr id="1" name=""/>
+        <p:cNvGrpSpPr/>
+        <p:nvPr/>
+      </p:nvGrpSpPr>
+      <p:grpSpPr>
+        <a:xfrm>
+          <a:off x="0" y="0"/>
+          <a:ext cx="0" cy="0"/>
+          <a:chOff x="0" y="0"/>
+          <a:chExt cx="0" cy="0"/>
+        </a:xfrm>
+      </p:grpSpPr>
+      <p:sp>
+        <p:nvSpPr>
+          <p:cNvPr id="2" name="Title 1">
+            <a:extLst>
+              <a:ext uri="{FF2B5EF4-FFF2-40B4-BE49-F238E27FC236}">
+                <a16:creationId xmlns:a16="http://schemas.microsoft.com/office/drawing/2014/main" id="{4F2C7765-4956-FAEA-1C2B-7A99E501BF86}"/>
+              </a:ext>
+            </a:extLst>
+          </p:cNvPr>
+          <p:cNvSpPr>
+            <a:spLocks noGrp="1"/>
+          </p:cNvSpPr>
+          <p:nvPr>
+            <p:ph type="title"/>
+          </p:nvPr>
+        </p:nvSpPr>
+        <p:spPr/>
+        <p:txBody>
+          <a:bodyPr/>
+          <a:lstStyle/>
+          <a:p>
+            <a:r>
+              <a:rPr lang="en-US"/>
               <a:t>Pushing to Production</a:t>
             </a:r>
           </a:p>
@@ -6167,9 +6576,9 @@
             </a:pPr>
             <a:fld id="{00000000-1234-1234-1234-123412341234}" type="slidenum">
               <a:rPr lang="en-US" smtClean="0"/>
-              <a:t>12</a:t>
+              <a:t>13</a:t>
             </a:fld>
-            <a:endParaRPr lang="en-US" dirty="0"/>
+            <a:endParaRPr lang="en-US"/>
           </a:p>
         </p:txBody>
       </p:sp>
@@ -6199,7 +6608,7 @@
           <a:bodyPr/>
           <a:lstStyle/>
           <a:p>
-            <a:endParaRPr lang="en-US" dirty="0"/>
+            <a:endParaRPr lang="en-US"/>
           </a:p>
         </p:txBody>
       </p:sp>
@@ -6216,7 +6625,7 @@
 </p:sld>
 </file>
 
-<file path=ppt/slides/slide13.xml><?xml version="1.0" encoding="utf-8"?>
+<file path=ppt/slides/slide14.xml><?xml version="1.0" encoding="utf-8"?>
 <p:sld xmlns:a="http://schemas.openxmlformats.org/drawingml/2006/main" xmlns:r="http://schemas.openxmlformats.org/officeDocument/2006/relationships" xmlns:p="http://schemas.openxmlformats.org/presentationml/2006/main">
   <p:cSld>
     <p:spTree>
@@ -6255,7 +6664,7 @@
           <a:lstStyle/>
           <a:p>
             <a:r>
-              <a:rPr lang="en-US" dirty="0"/>
+              <a:rPr lang="en-US"/>
               <a:t>What happens when you don’t register</a:t>
             </a:r>
           </a:p>
@@ -6293,9 +6702,9 @@
             </a:pPr>
             <a:fld id="{00000000-1234-1234-1234-123412341234}" type="slidenum">
               <a:rPr lang="en-US" smtClean="0"/>
-              <a:t>13</a:t>
+              <a:t>14</a:t>
             </a:fld>
-            <a:endParaRPr lang="en-US" dirty="0"/>
+            <a:endParaRPr lang="en-US"/>
           </a:p>
         </p:txBody>
       </p:sp>
@@ -6325,7 +6734,7 @@
           <a:bodyPr/>
           <a:lstStyle/>
           <a:p>
-            <a:endParaRPr lang="en-US" dirty="0"/>
+            <a:endParaRPr lang="en-US"/>
           </a:p>
         </p:txBody>
       </p:sp>
@@ -6342,7 +6751,7 @@
 </p:sld>
 </file>
 
-<file path=ppt/slides/slide14.xml><?xml version="1.0" encoding="utf-8"?>
+<file path=ppt/slides/slide15.xml><?xml version="1.0" encoding="utf-8"?>
 <p:sld xmlns:a="http://schemas.openxmlformats.org/drawingml/2006/main" xmlns:r="http://schemas.openxmlformats.org/officeDocument/2006/relationships" xmlns:p="http://schemas.openxmlformats.org/presentationml/2006/main">
   <p:cSld>
     <p:spTree>
@@ -6381,7 +6790,7 @@
           <a:lstStyle/>
           <a:p>
             <a:r>
-              <a:rPr lang="en-US" dirty="0"/>
+              <a:rPr lang="en-US"/>
               <a:t>Resources</a:t>
             </a:r>
           </a:p>
@@ -6419,9 +6828,9 @@
             </a:pPr>
             <a:fld id="{00000000-1234-1234-1234-123412341234}" type="slidenum">
               <a:rPr lang="en-US" smtClean="0"/>
-              <a:t>14</a:t>
+              <a:t>15</a:t>
             </a:fld>
-            <a:endParaRPr lang="en-US" dirty="0"/>
+            <a:endParaRPr lang="en-US"/>
           </a:p>
         </p:txBody>
       </p:sp>
@@ -6455,10 +6864,10 @@
               <a:buNone/>
             </a:pPr>
             <a:r>
-              <a:rPr lang="en-US" sz="2000" dirty="0"/>
+              <a:rPr lang="en-US" sz="2000"/>
               <a:t>GitHub</a:t>
             </a:r>
-            <a:endParaRPr lang="en-US" dirty="0"/>
+            <a:endParaRPr lang="en-US"/>
           </a:p>
         </p:txBody>
       </p:sp>
@@ -6776,10 +7185,10 @@
               <a:buNone/>
             </a:pPr>
             <a:r>
-              <a:rPr lang="en-US" sz="2000" dirty="0"/>
+              <a:rPr lang="en-US" sz="2000"/>
               <a:t>LinkedIn</a:t>
             </a:r>
-            <a:endParaRPr lang="en-US" dirty="0"/>
+            <a:endParaRPr lang="en-US"/>
           </a:p>
         </p:txBody>
       </p:sp>
@@ -6865,7 +7274,7 @@
           <a:lstStyle/>
           <a:p>
             <a:r>
-              <a:rPr lang="en-US" dirty="0"/>
+              <a:rPr lang="en-US"/>
               <a:t>WHO IS ANDWORX</a:t>
             </a:r>
           </a:p>
@@ -6905,7 +7314,7 @@
               <a:rPr lang="en-US" smtClean="0"/>
               <a:t>2</a:t>
             </a:fld>
-            <a:endParaRPr lang="en-US" dirty="0"/>
+            <a:endParaRPr lang="en-US"/>
           </a:p>
         </p:txBody>
       </p:sp>
@@ -6931,7 +7340,7 @@
           <a:lstStyle/>
           <a:p>
             <a:r>
-              <a:rPr lang="en-US" dirty="0"/>
+              <a:rPr lang="en-US"/>
               <a:t>Andworx</a:t>
             </a:r>
           </a:p>
@@ -6959,7 +7368,7 @@
           <a:lstStyle/>
           <a:p>
             <a:r>
-              <a:rPr lang="en-US" dirty="0"/>
+              <a:rPr lang="en-US"/>
               <a:t>Who is Ed</a:t>
             </a:r>
           </a:p>
@@ -7017,7 +7426,7 @@
           <a:lstStyle/>
           <a:p>
             <a:r>
-              <a:rPr lang="en-US" dirty="0"/>
+              <a:rPr lang="en-US"/>
               <a:t>Power Pipelines</a:t>
             </a:r>
           </a:p>
@@ -7057,7 +7466,7 @@
               <a:rPr lang="en-US" smtClean="0"/>
               <a:t>3</a:t>
             </a:fld>
-            <a:endParaRPr lang="en-US" dirty="0"/>
+            <a:endParaRPr lang="en-US"/>
           </a:p>
         </p:txBody>
       </p:sp>
@@ -7088,30 +7497,30 @@
           <a:lstStyle/>
           <a:p>
             <a:r>
-              <a:rPr lang="en-US" sz="2000" dirty="0"/>
+              <a:rPr lang="en-US" sz="2000"/>
               <a:t>Power Pipelines is the built in tool to push solutions between environments </a:t>
             </a:r>
           </a:p>
           <a:p>
-            <a:endParaRPr lang="en-US" sz="2000" dirty="0"/>
+            <a:endParaRPr lang="en-US" sz="2000"/>
           </a:p>
           <a:p>
             <a:r>
-              <a:rPr lang="en-US" sz="2000" dirty="0"/>
+              <a:rPr lang="en-US" sz="2000"/>
               <a:t>Because it is all apart of Dataverse and the Power Platform it can be extended using other Power Platform and O365 tools</a:t>
             </a:r>
           </a:p>
           <a:p>
-            <a:endParaRPr lang="en-US" sz="2000" dirty="0"/>
+            <a:endParaRPr lang="en-US" sz="2000"/>
           </a:p>
           <a:p>
             <a:r>
-              <a:rPr lang="en-US" sz="2000" dirty="0"/>
+              <a:rPr lang="en-US" sz="2000"/>
               <a:t>A natural extension is the ability to place governance on solutions being developed</a:t>
             </a:r>
           </a:p>
           <a:p>
-            <a:endParaRPr lang="en-US" sz="2000" dirty="0"/>
+            <a:endParaRPr lang="en-US" sz="2000"/>
           </a:p>
         </p:txBody>
       </p:sp>
@@ -7428,7 +7837,7 @@
               <a:buNone/>
             </a:pPr>
             <a:r>
-              <a:rPr lang="en-US" dirty="0"/>
+              <a:rPr lang="en-US"/>
               <a:t>Power Pipelines Documentation</a:t>
             </a:r>
           </a:p>
@@ -7486,7 +7895,7 @@
           <a:lstStyle/>
           <a:p>
             <a:r>
-              <a:rPr lang="en-US" dirty="0"/>
+              <a:rPr lang="en-US"/>
               <a:t>Extending Pipelines</a:t>
             </a:r>
           </a:p>
@@ -7526,7 +7935,7 @@
               <a:rPr lang="en-US" smtClean="0"/>
               <a:t>4</a:t>
             </a:fld>
-            <a:endParaRPr lang="en-US" dirty="0"/>
+            <a:endParaRPr lang="en-US"/>
           </a:p>
         </p:txBody>
       </p:sp>
@@ -7557,29 +7966,29 @@
           <a:lstStyle/>
           <a:p>
             <a:r>
-              <a:rPr lang="en-US" sz="2000" dirty="0"/>
+              <a:rPr lang="en-US" sz="2000"/>
               <a:t>Governance</a:t>
             </a:r>
           </a:p>
           <a:p>
             <a:pPr lvl="1"/>
             <a:r>
-              <a:rPr lang="en-US" sz="2000" dirty="0"/>
+              <a:rPr lang="en-US" sz="2000"/>
               <a:t>Governance is the holy grail for Power Platform Administrators</a:t>
             </a:r>
           </a:p>
           <a:p>
             <a:pPr lvl="1"/>
             <a:r>
-              <a:rPr lang="en-US" sz="2000" dirty="0"/>
+              <a:rPr lang="en-US" sz="2000"/>
               <a:t>Instead of relying on </a:t>
             </a:r>
             <a:r>
-              <a:rPr lang="en-US" sz="2000" dirty="0" err="1"/>
+              <a:rPr lang="en-US" sz="2000" err="1"/>
               <a:t>CoE</a:t>
             </a:r>
             <a:r>
-              <a:rPr lang="en-US" sz="2000" dirty="0"/>
+              <a:rPr lang="en-US" sz="2000"/>
               <a:t> to tell us AFTER something has happened, we can control what it is to be added and by whom</a:t>
             </a:r>
           </a:p>
@@ -7588,20 +7997,20 @@
               <a:buNone/>
             </a:pPr>
             <a:r>
-              <a:rPr lang="en-US" sz="2000" dirty="0"/>
+              <a:rPr lang="en-US" sz="2000"/>
               <a:t> </a:t>
             </a:r>
           </a:p>
           <a:p>
             <a:r>
-              <a:rPr lang="en-US" sz="2000" dirty="0"/>
+              <a:rPr lang="en-US" sz="2000"/>
               <a:t>Approvals</a:t>
             </a:r>
           </a:p>
           <a:p>
             <a:pPr lvl="1"/>
             <a:r>
-              <a:rPr lang="en-US" sz="2000" dirty="0"/>
+              <a:rPr lang="en-US" sz="2000"/>
               <a:t>Approvals are a simple feature of pipelines but can be extended greatly</a:t>
             </a:r>
           </a:p>
@@ -7621,6 +8030,141 @@
 </file>
 
 <file path=ppt/slides/slide5.xml><?xml version="1.0" encoding="utf-8"?>
+<p:sld xmlns:a="http://schemas.openxmlformats.org/drawingml/2006/main" xmlns:r="http://schemas.openxmlformats.org/officeDocument/2006/relationships" xmlns:p="http://schemas.openxmlformats.org/presentationml/2006/main">
+  <p:cSld>
+    <p:spTree>
+      <p:nvGrpSpPr>
+        <p:cNvPr id="1" name=""/>
+        <p:cNvGrpSpPr/>
+        <p:nvPr/>
+      </p:nvGrpSpPr>
+      <p:grpSpPr>
+        <a:xfrm>
+          <a:off x="0" y="0"/>
+          <a:ext cx="0" cy="0"/>
+          <a:chOff x="0" y="0"/>
+          <a:chExt cx="0" cy="0"/>
+        </a:xfrm>
+      </p:grpSpPr>
+      <p:sp>
+        <p:nvSpPr>
+          <p:cNvPr id="3" name="Slide Number Placeholder 2">
+            <a:extLst>
+              <a:ext uri="{FF2B5EF4-FFF2-40B4-BE49-F238E27FC236}">
+                <a16:creationId xmlns:a16="http://schemas.microsoft.com/office/drawing/2014/main" id="{BCD9DAF4-0584-7589-3C17-27F774F912E0}"/>
+              </a:ext>
+            </a:extLst>
+          </p:cNvPr>
+          <p:cNvSpPr>
+            <a:spLocks noGrp="1"/>
+          </p:cNvSpPr>
+          <p:nvPr>
+            <p:ph type="sldNum" idx="12"/>
+          </p:nvPr>
+        </p:nvSpPr>
+        <p:spPr/>
+        <p:txBody>
+          <a:bodyPr/>
+          <a:lstStyle/>
+          <a:p>
+            <a:pPr marL="0" lvl="0" indent="0" algn="l" rtl="0">
+              <a:spcBef>
+                <a:spcPts val="0"/>
+              </a:spcBef>
+              <a:spcAft>
+                <a:spcPts val="0"/>
+              </a:spcAft>
+              <a:buNone/>
+            </a:pPr>
+            <a:fld id="{00000000-1234-1234-1234-123412341234}" type="slidenum">
+              <a:rPr lang="en-US" smtClean="0"/>
+              <a:t>5</a:t>
+            </a:fld>
+            <a:endParaRPr lang="en-US"/>
+          </a:p>
+        </p:txBody>
+      </p:sp>
+      <p:pic>
+        <p:nvPicPr>
+          <p:cNvPr id="7" name="Picture 6">
+            <a:extLst>
+              <a:ext uri="{FF2B5EF4-FFF2-40B4-BE49-F238E27FC236}">
+                <a16:creationId xmlns:a16="http://schemas.microsoft.com/office/drawing/2014/main" id="{B84220F8-3F06-1AF7-6AAF-B4E157887924}"/>
+              </a:ext>
+            </a:extLst>
+          </p:cNvPr>
+          <p:cNvPicPr>
+            <a:picLocks noChangeAspect="1"/>
+          </p:cNvPicPr>
+          <p:nvPr/>
+        </p:nvPicPr>
+        <p:blipFill>
+          <a:blip r:embed="rId2"/>
+          <a:stretch>
+            <a:fillRect/>
+          </a:stretch>
+        </p:blipFill>
+        <p:spPr>
+          <a:xfrm>
+            <a:off x="1718109" y="1223302"/>
+            <a:ext cx="5707782" cy="3396311"/>
+          </a:xfrm>
+          <a:prstGeom prst="rect">
+            <a:avLst/>
+          </a:prstGeom>
+        </p:spPr>
+      </p:pic>
+      <p:sp>
+        <p:nvSpPr>
+          <p:cNvPr id="8" name="Title 1">
+            <a:extLst>
+              <a:ext uri="{FF2B5EF4-FFF2-40B4-BE49-F238E27FC236}">
+                <a16:creationId xmlns:a16="http://schemas.microsoft.com/office/drawing/2014/main" id="{F70974D9-F755-9BDB-6529-CCAAAADC4E20}"/>
+              </a:ext>
+            </a:extLst>
+          </p:cNvPr>
+          <p:cNvSpPr>
+            <a:spLocks noGrp="1"/>
+          </p:cNvSpPr>
+          <p:nvPr>
+            <p:ph type="title"/>
+          </p:nvPr>
+        </p:nvSpPr>
+        <p:spPr>
+          <a:xfrm>
+            <a:off x="360550" y="325500"/>
+            <a:ext cx="8326200" cy="692400"/>
+          </a:xfrm>
+        </p:spPr>
+        <p:txBody>
+          <a:bodyPr/>
+          <a:lstStyle/>
+          <a:p>
+            <a:r>
+              <a:rPr lang="en-US" err="1"/>
+              <a:t>Whats</a:t>
+            </a:r>
+            <a:r>
+              <a:rPr lang="en-US"/>
+              <a:t> happening</a:t>
+            </a:r>
+          </a:p>
+        </p:txBody>
+      </p:sp>
+    </p:spTree>
+    <p:extLst>
+      <p:ext uri="{BB962C8B-B14F-4D97-AF65-F5344CB8AC3E}">
+        <p14:creationId xmlns:p14="http://schemas.microsoft.com/office/powerpoint/2010/main" val="3160659491"/>
+      </p:ext>
+    </p:extLst>
+  </p:cSld>
+  <p:clrMapOvr>
+    <a:masterClrMapping/>
+  </p:clrMapOvr>
+</p:sld>
+</file>
+
+<file path=ppt/slides/slide6.xml><?xml version="1.0" encoding="utf-8"?>
 <p:sld xmlns:a="http://schemas.openxmlformats.org/drawingml/2006/main" xmlns:r="http://schemas.openxmlformats.org/officeDocument/2006/relationships" xmlns:p="http://schemas.openxmlformats.org/presentationml/2006/main">
   <p:cSld>
     <p:spTree>
@@ -7659,7 +8203,7 @@
           <a:lstStyle/>
           <a:p>
             <a:r>
-              <a:rPr lang="en-US" dirty="0"/>
+              <a:rPr lang="en-US"/>
               <a:t>Solution Register</a:t>
             </a:r>
           </a:p>
@@ -7697,9 +8241,9 @@
             </a:pPr>
             <a:fld id="{00000000-1234-1234-1234-123412341234}" type="slidenum">
               <a:rPr lang="en-US" smtClean="0"/>
-              <a:t>5</a:t>
+              <a:t>6</a:t>
             </a:fld>
-            <a:endParaRPr lang="en-US" dirty="0"/>
+            <a:endParaRPr lang="en-US"/>
           </a:p>
         </p:txBody>
       </p:sp>
@@ -7730,28 +8274,28 @@
           <a:lstStyle/>
           <a:p>
             <a:r>
-              <a:rPr lang="en-US" sz="2000" dirty="0"/>
+              <a:rPr lang="en-US" sz="2000"/>
               <a:t>Collecting information about the solution</a:t>
             </a:r>
           </a:p>
           <a:p>
             <a:pPr lvl="1"/>
             <a:r>
-              <a:rPr lang="en-US" sz="2000" dirty="0"/>
+              <a:rPr lang="en-US" sz="2000"/>
               <a:t>Who is the Customer</a:t>
             </a:r>
           </a:p>
           <a:p>
             <a:pPr lvl="1"/>
             <a:r>
-              <a:rPr lang="en-US" sz="2000" dirty="0"/>
+              <a:rPr lang="en-US" sz="2000"/>
               <a:t>Who is the Project Lead</a:t>
             </a:r>
           </a:p>
           <a:p>
             <a:pPr lvl="1"/>
             <a:r>
-              <a:rPr lang="en-US" sz="2000" dirty="0"/>
+              <a:rPr lang="en-US" sz="2000"/>
               <a:t>Can be expanded to whatever categories we you want </a:t>
             </a:r>
           </a:p>
@@ -7867,7 +8411,7 @@
 </p:sld>
 </file>
 
-<file path=ppt/slides/slide6.xml><?xml version="1.0" encoding="utf-8"?>
+<file path=ppt/slides/slide7.xml><?xml version="1.0" encoding="utf-8"?>
 <p:sld xmlns:a="http://schemas.openxmlformats.org/drawingml/2006/main" xmlns:r="http://schemas.openxmlformats.org/officeDocument/2006/relationships" xmlns:p="http://schemas.openxmlformats.org/presentationml/2006/main" show="0">
   <p:cSld>
     <p:spTree>
@@ -7897,7 +8441,7 @@
 </p:sld>
 </file>
 
-<file path=ppt/slides/slide7.xml><?xml version="1.0" encoding="utf-8"?>
+<file path=ppt/slides/slide8.xml><?xml version="1.0" encoding="utf-8"?>
 <p:sld xmlns:a="http://schemas.openxmlformats.org/drawingml/2006/main" xmlns:r="http://schemas.openxmlformats.org/officeDocument/2006/relationships" xmlns:p="http://schemas.openxmlformats.org/presentationml/2006/main" show="0">
   <p:cSld>
     <p:spTree>
@@ -7946,9 +8490,9 @@
             </a:pPr>
             <a:fld id="{00000000-1234-1234-1234-123412341234}" type="slidenum">
               <a:rPr lang="en-US" smtClean="0"/>
-              <a:t>7</a:t>
+              <a:t>8</a:t>
             </a:fld>
-            <a:endParaRPr lang="en-US" dirty="0"/>
+            <a:endParaRPr lang="en-US"/>
           </a:p>
         </p:txBody>
       </p:sp>
@@ -8262,7 +8806,7 @@
           </a:lstStyle>
           <a:p>
             <a:r>
-              <a:rPr lang="en-US" dirty="0"/>
+              <a:rPr lang="en-US"/>
               <a:t>Projects</a:t>
             </a:r>
           </a:p>
@@ -8281,7 +8825,7 @@
 </p:sld>
 </file>
 
-<file path=ppt/slides/slide8.xml><?xml version="1.0" encoding="utf-8"?>
+<file path=ppt/slides/slide9.xml><?xml version="1.0" encoding="utf-8"?>
 <p:sld xmlns:a="http://schemas.openxmlformats.org/drawingml/2006/main" xmlns:r="http://schemas.openxmlformats.org/officeDocument/2006/relationships" xmlns:p="http://schemas.openxmlformats.org/presentationml/2006/main" show="0">
   <p:cSld>
     <p:spTree>
@@ -8330,9 +8874,9 @@
             </a:pPr>
             <a:fld id="{00000000-1234-1234-1234-123412341234}" type="slidenum">
               <a:rPr lang="en-US" smtClean="0"/>
-              <a:t>8</a:t>
+              <a:t>9</a:t>
             </a:fld>
-            <a:endParaRPr lang="en-US" dirty="0"/>
+            <a:endParaRPr lang="en-US"/>
           </a:p>
         </p:txBody>
       </p:sp>
@@ -8646,7 +9190,7 @@
           </a:lstStyle>
           <a:p>
             <a:r>
-              <a:rPr lang="en-US" dirty="0"/>
+              <a:rPr lang="en-US"/>
               <a:t>Approvers</a:t>
             </a:r>
           </a:p>
@@ -8656,390 +9200,6 @@
     <p:extLst>
       <p:ext uri="{BB962C8B-B14F-4D97-AF65-F5344CB8AC3E}">
         <p14:creationId xmlns:p14="http://schemas.microsoft.com/office/powerpoint/2010/main" val="2803919444"/>
-      </p:ext>
-    </p:extLst>
-  </p:cSld>
-  <p:clrMapOvr>
-    <a:masterClrMapping/>
-  </p:clrMapOvr>
-</p:sld>
-</file>
-
-<file path=ppt/slides/slide9.xml><?xml version="1.0" encoding="utf-8"?>
-<p:sld xmlns:a="http://schemas.openxmlformats.org/drawingml/2006/main" xmlns:r="http://schemas.openxmlformats.org/officeDocument/2006/relationships" xmlns:p="http://schemas.openxmlformats.org/presentationml/2006/main" show="0">
-  <p:cSld>
-    <p:spTree>
-      <p:nvGrpSpPr>
-        <p:cNvPr id="1" name=""/>
-        <p:cNvGrpSpPr/>
-        <p:nvPr/>
-      </p:nvGrpSpPr>
-      <p:grpSpPr>
-        <a:xfrm>
-          <a:off x="0" y="0"/>
-          <a:ext cx="0" cy="0"/>
-          <a:chOff x="0" y="0"/>
-          <a:chExt cx="0" cy="0"/>
-        </a:xfrm>
-      </p:grpSpPr>
-      <p:sp>
-        <p:nvSpPr>
-          <p:cNvPr id="3" name="Slide Number Placeholder 2">
-            <a:extLst>
-              <a:ext uri="{FF2B5EF4-FFF2-40B4-BE49-F238E27FC236}">
-                <a16:creationId xmlns:a16="http://schemas.microsoft.com/office/drawing/2014/main" id="{A822E89C-1092-9002-BEDC-68AC9A5DDF36}"/>
-              </a:ext>
-            </a:extLst>
-          </p:cNvPr>
-          <p:cNvSpPr>
-            <a:spLocks noGrp="1"/>
-          </p:cNvSpPr>
-          <p:nvPr>
-            <p:ph type="sldNum" idx="12"/>
-          </p:nvPr>
-        </p:nvSpPr>
-        <p:spPr/>
-        <p:txBody>
-          <a:bodyPr/>
-          <a:lstStyle/>
-          <a:p>
-            <a:pPr marL="0" lvl="0" indent="0" algn="l" rtl="0">
-              <a:spcBef>
-                <a:spcPts val="0"/>
-              </a:spcBef>
-              <a:spcAft>
-                <a:spcPts val="0"/>
-              </a:spcAft>
-              <a:buNone/>
-            </a:pPr>
-            <a:fld id="{00000000-1234-1234-1234-123412341234}" type="slidenum">
-              <a:rPr lang="en-US" smtClean="0"/>
-              <a:t>9</a:t>
-            </a:fld>
-            <a:endParaRPr lang="en-US" dirty="0"/>
-          </a:p>
-        </p:txBody>
-      </p:sp>
-      <p:pic>
-        <p:nvPicPr>
-          <p:cNvPr id="4" name="Picture 3">
-            <a:extLst>
-              <a:ext uri="{FF2B5EF4-FFF2-40B4-BE49-F238E27FC236}">
-                <a16:creationId xmlns:a16="http://schemas.microsoft.com/office/drawing/2014/main" id="{6163288C-4060-529D-5B68-52D4576B3520}"/>
-              </a:ext>
-            </a:extLst>
-          </p:cNvPr>
-          <p:cNvPicPr>
-            <a:picLocks noChangeAspect="1"/>
-          </p:cNvPicPr>
-          <p:nvPr/>
-        </p:nvPicPr>
-        <p:blipFill>
-          <a:blip r:embed="rId2"/>
-          <a:stretch>
-            <a:fillRect/>
-          </a:stretch>
-        </p:blipFill>
-        <p:spPr>
-          <a:xfrm>
-            <a:off x="2679192" y="886968"/>
-            <a:ext cx="6306372" cy="3026664"/>
-          </a:xfrm>
-          <a:prstGeom prst="rect">
-            <a:avLst/>
-          </a:prstGeom>
-        </p:spPr>
-      </p:pic>
-      <p:sp>
-        <p:nvSpPr>
-          <p:cNvPr id="6" name="Text Placeholder 4">
-            <a:extLst>
-              <a:ext uri="{FF2B5EF4-FFF2-40B4-BE49-F238E27FC236}">
-                <a16:creationId xmlns:a16="http://schemas.microsoft.com/office/drawing/2014/main" id="{B97EADF9-A392-134B-2C74-23B9B18C621E}"/>
-              </a:ext>
-            </a:extLst>
-          </p:cNvPr>
-          <p:cNvSpPr txBox="1">
-            <a:spLocks/>
-          </p:cNvSpPr>
-          <p:nvPr/>
-        </p:nvSpPr>
-        <p:spPr>
-          <a:xfrm>
-            <a:off x="0" y="884177"/>
-            <a:ext cx="2678064" cy="3026484"/>
-          </a:xfrm>
-          <a:prstGeom prst="rect">
-            <a:avLst/>
-          </a:prstGeom>
-          <a:noFill/>
-          <a:ln>
-            <a:noFill/>
-          </a:ln>
-        </p:spPr>
-        <p:txBody>
-          <a:bodyPr spcFirstLastPara="1" wrap="square" lIns="0" tIns="91425" rIns="91425" bIns="91425" anchor="t" anchorCtr="0">
-            <a:noAutofit/>
-          </a:bodyPr>
-          <a:lstStyle>
-            <a:defPPr marR="0" lvl="0" algn="l" rtl="0">
-              <a:lnSpc>
-                <a:spcPct val="100000"/>
-              </a:lnSpc>
-              <a:spcBef>
-                <a:spcPts val="0"/>
-              </a:spcBef>
-              <a:spcAft>
-                <a:spcPts val="0"/>
-              </a:spcAft>
-            </a:defPPr>
-            <a:lvl1pPr marL="457200" marR="0" lvl="0" indent="-304800" algn="l" rtl="0">
-              <a:lnSpc>
-                <a:spcPct val="115000"/>
-              </a:lnSpc>
-              <a:spcBef>
-                <a:spcPts val="0"/>
-              </a:spcBef>
-              <a:spcAft>
-                <a:spcPts val="0"/>
-              </a:spcAft>
-              <a:buClr>
-                <a:schemeClr val="accent2"/>
-              </a:buClr>
-              <a:buSzPts val="1200"/>
-              <a:buFont typeface="Roboto"/>
-              <a:buChar char="●"/>
-              <a:defRPr sz="1200" b="0" i="0" u="none" strike="noStrike" cap="none">
-                <a:solidFill>
-                  <a:srgbClr val="434343"/>
-                </a:solidFill>
-                <a:latin typeface="Roboto"/>
-                <a:ea typeface="Roboto"/>
-                <a:cs typeface="Roboto"/>
-                <a:sym typeface="Roboto"/>
-              </a:defRPr>
-            </a:lvl1pPr>
-            <a:lvl2pPr marL="914400" marR="0" lvl="1" indent="-304800" algn="l" rtl="0">
-              <a:lnSpc>
-                <a:spcPct val="115000"/>
-              </a:lnSpc>
-              <a:spcBef>
-                <a:spcPts val="1600"/>
-              </a:spcBef>
-              <a:spcAft>
-                <a:spcPts val="0"/>
-              </a:spcAft>
-              <a:buClr>
-                <a:srgbClr val="434343"/>
-              </a:buClr>
-              <a:buSzPts val="1200"/>
-              <a:buFont typeface="Roboto"/>
-              <a:buChar char="•"/>
-              <a:defRPr sz="1200" b="0" i="0" u="none" strike="noStrike" cap="none">
-                <a:solidFill>
-                  <a:srgbClr val="434343"/>
-                </a:solidFill>
-                <a:latin typeface="Roboto"/>
-                <a:ea typeface="Roboto"/>
-                <a:cs typeface="Roboto"/>
-                <a:sym typeface="Roboto"/>
-              </a:defRPr>
-            </a:lvl2pPr>
-            <a:lvl3pPr marL="1371600" marR="0" lvl="2" indent="-304800" algn="l" rtl="0">
-              <a:lnSpc>
-                <a:spcPct val="115000"/>
-              </a:lnSpc>
-              <a:spcBef>
-                <a:spcPts val="1600"/>
-              </a:spcBef>
-              <a:spcAft>
-                <a:spcPts val="0"/>
-              </a:spcAft>
-              <a:buClr>
-                <a:srgbClr val="434343"/>
-              </a:buClr>
-              <a:buSzPts val="1200"/>
-              <a:buFont typeface="Roboto"/>
-              <a:buChar char="𐩑"/>
-              <a:defRPr sz="1200" b="0" i="0" u="none" strike="noStrike" cap="none">
-                <a:solidFill>
-                  <a:srgbClr val="434343"/>
-                </a:solidFill>
-                <a:latin typeface="Roboto"/>
-                <a:ea typeface="Roboto"/>
-                <a:cs typeface="Roboto"/>
-                <a:sym typeface="Roboto"/>
-              </a:defRPr>
-            </a:lvl3pPr>
-            <a:lvl4pPr marL="1828800" marR="0" lvl="3" indent="-304800" algn="l" rtl="0">
-              <a:lnSpc>
-                <a:spcPct val="115000"/>
-              </a:lnSpc>
-              <a:spcBef>
-                <a:spcPts val="1600"/>
-              </a:spcBef>
-              <a:spcAft>
-                <a:spcPts val="0"/>
-              </a:spcAft>
-              <a:buClr>
-                <a:srgbClr val="434343"/>
-              </a:buClr>
-              <a:buSzPts val="1200"/>
-              <a:buFont typeface="Roboto"/>
-              <a:buChar char="‑"/>
-              <a:defRPr sz="1200" b="0" i="0" u="none" strike="noStrike" cap="none">
-                <a:solidFill>
-                  <a:srgbClr val="434343"/>
-                </a:solidFill>
-                <a:latin typeface="Roboto"/>
-                <a:ea typeface="Roboto"/>
-                <a:cs typeface="Roboto"/>
-                <a:sym typeface="Roboto"/>
-              </a:defRPr>
-            </a:lvl4pPr>
-            <a:lvl5pPr marL="2286000" marR="0" lvl="4" indent="-304800" algn="l" rtl="0">
-              <a:lnSpc>
-                <a:spcPct val="115000"/>
-              </a:lnSpc>
-              <a:spcBef>
-                <a:spcPts val="1600"/>
-              </a:spcBef>
-              <a:spcAft>
-                <a:spcPts val="0"/>
-              </a:spcAft>
-              <a:buClr>
-                <a:srgbClr val="434343"/>
-              </a:buClr>
-              <a:buSzPts val="1200"/>
-              <a:buFont typeface="Roboto"/>
-              <a:buChar char="•"/>
-              <a:defRPr sz="1200" b="0" i="0" u="none" strike="noStrike" cap="none">
-                <a:solidFill>
-                  <a:srgbClr val="434343"/>
-                </a:solidFill>
-                <a:latin typeface="Roboto"/>
-                <a:ea typeface="Roboto"/>
-                <a:cs typeface="Roboto"/>
-                <a:sym typeface="Roboto"/>
-              </a:defRPr>
-            </a:lvl5pPr>
-            <a:lvl6pPr marL="2743200" marR="0" lvl="5" indent="-304800" algn="l" rtl="0">
-              <a:lnSpc>
-                <a:spcPct val="115000"/>
-              </a:lnSpc>
-              <a:spcBef>
-                <a:spcPts val="1600"/>
-              </a:spcBef>
-              <a:spcAft>
-                <a:spcPts val="0"/>
-              </a:spcAft>
-              <a:buClr>
-                <a:srgbClr val="434343"/>
-              </a:buClr>
-              <a:buSzPts val="1200"/>
-              <a:buFont typeface="Roboto"/>
-              <a:buChar char="𐩑"/>
-              <a:defRPr sz="1200" b="0" i="0" u="none" strike="noStrike" cap="none">
-                <a:solidFill>
-                  <a:srgbClr val="434343"/>
-                </a:solidFill>
-                <a:latin typeface="Roboto"/>
-                <a:ea typeface="Roboto"/>
-                <a:cs typeface="Roboto"/>
-                <a:sym typeface="Roboto"/>
-              </a:defRPr>
-            </a:lvl6pPr>
-            <a:lvl7pPr marL="3200400" marR="0" lvl="6" indent="-304800" algn="l" rtl="0">
-              <a:lnSpc>
-                <a:spcPct val="115000"/>
-              </a:lnSpc>
-              <a:spcBef>
-                <a:spcPts val="1600"/>
-              </a:spcBef>
-              <a:spcAft>
-                <a:spcPts val="0"/>
-              </a:spcAft>
-              <a:buClr>
-                <a:srgbClr val="434343"/>
-              </a:buClr>
-              <a:buSzPts val="1200"/>
-              <a:buFont typeface="Roboto"/>
-              <a:buChar char="‑"/>
-              <a:defRPr sz="1200" b="0" i="0" u="none" strike="noStrike" cap="none">
-                <a:solidFill>
-                  <a:srgbClr val="434343"/>
-                </a:solidFill>
-                <a:latin typeface="Roboto"/>
-                <a:ea typeface="Roboto"/>
-                <a:cs typeface="Roboto"/>
-                <a:sym typeface="Roboto"/>
-              </a:defRPr>
-            </a:lvl7pPr>
-            <a:lvl8pPr marL="3657600" marR="0" lvl="7" indent="-304800" algn="l" rtl="0">
-              <a:lnSpc>
-                <a:spcPct val="115000"/>
-              </a:lnSpc>
-              <a:spcBef>
-                <a:spcPts val="1600"/>
-              </a:spcBef>
-              <a:spcAft>
-                <a:spcPts val="0"/>
-              </a:spcAft>
-              <a:buClr>
-                <a:srgbClr val="434343"/>
-              </a:buClr>
-              <a:buSzPts val="1200"/>
-              <a:buFont typeface="Roboto"/>
-              <a:buChar char="•"/>
-              <a:defRPr sz="1200" b="0" i="0" u="none" strike="noStrike" cap="none">
-                <a:solidFill>
-                  <a:srgbClr val="434343"/>
-                </a:solidFill>
-                <a:latin typeface="Roboto"/>
-                <a:ea typeface="Roboto"/>
-                <a:cs typeface="Roboto"/>
-                <a:sym typeface="Roboto"/>
-              </a:defRPr>
-            </a:lvl8pPr>
-            <a:lvl9pPr marL="4114800" marR="0" lvl="8" indent="-304800" algn="l" rtl="0">
-              <a:lnSpc>
-                <a:spcPct val="115000"/>
-              </a:lnSpc>
-              <a:spcBef>
-                <a:spcPts val="1600"/>
-              </a:spcBef>
-              <a:spcAft>
-                <a:spcPts val="1600"/>
-              </a:spcAft>
-              <a:buClr>
-                <a:srgbClr val="434343"/>
-              </a:buClr>
-              <a:buSzPts val="1200"/>
-              <a:buFont typeface="Roboto"/>
-              <a:buChar char="𐩑"/>
-              <a:defRPr sz="1200" b="0" i="0" u="none" strike="noStrike" cap="none">
-                <a:solidFill>
-                  <a:srgbClr val="434343"/>
-                </a:solidFill>
-                <a:latin typeface="Roboto"/>
-                <a:ea typeface="Roboto"/>
-                <a:cs typeface="Roboto"/>
-                <a:sym typeface="Roboto"/>
-              </a:defRPr>
-            </a:lvl9pPr>
-          </a:lstStyle>
-          <a:p>
-            <a:r>
-              <a:rPr lang="en-US" dirty="0"/>
-              <a:t>Customers</a:t>
-            </a:r>
-          </a:p>
-        </p:txBody>
-      </p:sp>
-    </p:spTree>
-    <p:extLst>
-      <p:ext uri="{BB962C8B-B14F-4D97-AF65-F5344CB8AC3E}">
-        <p14:creationId xmlns:p14="http://schemas.microsoft.com/office/powerpoint/2010/main" val="2450584025"/>
       </p:ext>
     </p:extLst>
   </p:cSld>
@@ -9612,14 +9772,6 @@
 </file>
 
 <file path=customXml/item1.xml><?xml version="1.0" encoding="utf-8"?>
-<p:properties xmlns:p="http://schemas.microsoft.com/office/2006/metadata/properties" xmlns:xsi="http://www.w3.org/2001/XMLSchema-instance" xmlns:pc="http://schemas.microsoft.com/office/infopath/2007/PartnerControls">
-  <documentManagement>
-    <_activity xmlns="56e83801-a659-49bf-8d8b-ccc9571eeed1" xsi:nil="true"/>
-  </documentManagement>
-</p:properties>
-</file>
-
-<file path=customXml/item2.xml><?xml version="1.0" encoding="utf-8"?>
 <?mso-contentType ?>
 <FormTemplates xmlns="http://schemas.microsoft.com/sharepoint/v3/contenttype/forms">
   <Display>DocumentLibraryForm</Display>
@@ -9628,7 +9780,7 @@
 </FormTemplates>
 </file>
 
-<file path=customXml/item3.xml><?xml version="1.0" encoding="utf-8"?>
+<file path=customXml/item2.xml><?xml version="1.0" encoding="utf-8"?>
 <ct:contentTypeSchema xmlns:ct="http://schemas.microsoft.com/office/2006/metadata/contentType" xmlns:ma="http://schemas.microsoft.com/office/2006/metadata/properties/metaAttributes" ct:_="" ma:_="" ma:contentTypeName="Document" ma:contentTypeID="0x0101000E01C6EC6F4A3A48A8BA0ABFD6F0EDF9" ma:contentTypeVersion="15" ma:contentTypeDescription="Create a new document." ma:contentTypeScope="" ma:versionID="fc576ddae3fc4ba2402237fe0dcd8ed0">
   <xsd:schema xmlns:xsd="http://www.w3.org/2001/XMLSchema" xmlns:xs="http://www.w3.org/2001/XMLSchema" xmlns:p="http://schemas.microsoft.com/office/2006/metadata/properties" xmlns:ns3="824f8c6b-dcc4-4ed9-b87d-1f17a1f5e90b" xmlns:ns4="56e83801-a659-49bf-8d8b-ccc9571eeed1" targetNamespace="http://schemas.microsoft.com/office/2006/metadata/properties" ma:root="true" ma:fieldsID="0b768db83bdc7bde9071bd8f33babe83" ns3:_="" ns4:_="">
     <xsd:import namespace="824f8c6b-dcc4-4ed9-b87d-1f17a1f5e90b"/>
@@ -9861,24 +10013,15 @@
 </ct:contentTypeSchema>
 </file>
 
-<file path=customXml/itemProps1.xml><?xml version="1.0" encoding="utf-8"?>
-<ds:datastoreItem xmlns:ds="http://schemas.openxmlformats.org/officeDocument/2006/customXml" ds:itemID="{B2489F54-DA4D-4A3D-A19D-A046D01CDE5E}">
-  <ds:schemaRefs>
-    <ds:schemaRef ds:uri="http://www.w3.org/XML/1998/namespace"/>
-    <ds:schemaRef ds:uri="http://schemas.microsoft.com/office/2006/documentManagement/types"/>
-    <ds:schemaRef ds:uri="http://purl.org/dc/dcmitype/"/>
-    <ds:schemaRef ds:uri="824f8c6b-dcc4-4ed9-b87d-1f17a1f5e90b"/>
-    <ds:schemaRef ds:uri="http://purl.org/dc/elements/1.1/"/>
-    <ds:schemaRef ds:uri="http://schemas.microsoft.com/office/infopath/2007/PartnerControls"/>
-    <ds:schemaRef ds:uri="http://purl.org/dc/terms/"/>
-    <ds:schemaRef ds:uri="http://schemas.openxmlformats.org/package/2006/metadata/core-properties"/>
-    <ds:schemaRef ds:uri="56e83801-a659-49bf-8d8b-ccc9571eeed1"/>
-    <ds:schemaRef ds:uri="http://schemas.microsoft.com/office/2006/metadata/properties"/>
-  </ds:schemaRefs>
-</ds:datastoreItem>
+<file path=customXml/item3.xml><?xml version="1.0" encoding="utf-8"?>
+<p:properties xmlns:p="http://schemas.microsoft.com/office/2006/metadata/properties" xmlns:xsi="http://www.w3.org/2001/XMLSchema-instance" xmlns:pc="http://schemas.microsoft.com/office/infopath/2007/PartnerControls">
+  <documentManagement>
+    <_activity xmlns="56e83801-a659-49bf-8d8b-ccc9571eeed1" xsi:nil="true"/>
+  </documentManagement>
+</p:properties>
 </file>
 
-<file path=customXml/itemProps2.xml><?xml version="1.0" encoding="utf-8"?>
+<file path=customXml/itemProps1.xml><?xml version="1.0" encoding="utf-8"?>
 <ds:datastoreItem xmlns:ds="http://schemas.openxmlformats.org/officeDocument/2006/customXml" ds:itemID="{9BA37A81-CC13-4284-92CD-12D270CAB15B}">
   <ds:schemaRefs>
     <ds:schemaRef ds:uri="http://schemas.microsoft.com/sharepoint/v3/contenttype/forms"/>
@@ -9886,21 +10029,38 @@
 </ds:datastoreItem>
 </file>
 
-<file path=customXml/itemProps3.xml><?xml version="1.0" encoding="utf-8"?>
+<file path=customXml/itemProps2.xml><?xml version="1.0" encoding="utf-8"?>
 <ds:datastoreItem xmlns:ds="http://schemas.openxmlformats.org/officeDocument/2006/customXml" ds:itemID="{141CEB04-4E21-4402-BF5A-A24369A52482}">
   <ds:schemaRefs>
-    <ds:schemaRef ds:uri="http://schemas.microsoft.com/office/2006/metadata/contentType"/>
-    <ds:schemaRef ds:uri="http://schemas.microsoft.com/office/2006/metadata/properties/metaAttributes"/>
-    <ds:schemaRef ds:uri="http://www.w3.org/2001/XMLSchema"/>
-    <ds:schemaRef ds:uri="http://schemas.microsoft.com/office/2006/metadata/properties"/>
+    <ds:schemaRef ds:uri="56e83801-a659-49bf-8d8b-ccc9571eeed1"/>
     <ds:schemaRef ds:uri="824f8c6b-dcc4-4ed9-b87d-1f17a1f5e90b"/>
-    <ds:schemaRef ds:uri="56e83801-a659-49bf-8d8b-ccc9571eeed1"/>
-    <ds:schemaRef ds:uri="http://schemas.microsoft.com/office/2006/documentManagement/types"/>
-    <ds:schemaRef ds:uri="http://schemas.microsoft.com/office/infopath/2007/PartnerControls"/>
-    <ds:schemaRef ds:uri="http://schemas.openxmlformats.org/package/2006/metadata/core-properties"/>
     <ds:schemaRef ds:uri="http://purl.org/dc/elements/1.1/"/>
     <ds:schemaRef ds:uri="http://purl.org/dc/terms/"/>
     <ds:schemaRef ds:uri="http://schemas.microsoft.com/internal/obd"/>
+    <ds:schemaRef ds:uri="http://schemas.microsoft.com/office/2006/documentManagement/types"/>
+    <ds:schemaRef ds:uri="http://schemas.microsoft.com/office/2006/metadata/contentType"/>
+    <ds:schemaRef ds:uri="http://schemas.microsoft.com/office/2006/metadata/properties"/>
+    <ds:schemaRef ds:uri="http://schemas.microsoft.com/office/2006/metadata/properties/metaAttributes"/>
+    <ds:schemaRef ds:uri="http://schemas.microsoft.com/office/infopath/2007/PartnerControls"/>
+    <ds:schemaRef ds:uri="http://schemas.openxmlformats.org/package/2006/metadata/core-properties"/>
+    <ds:schemaRef ds:uri="http://www.w3.org/2001/XMLSchema"/>
+  </ds:schemaRefs>
+</ds:datastoreItem>
+</file>
+
+<file path=customXml/itemProps3.xml><?xml version="1.0" encoding="utf-8"?>
+<ds:datastoreItem xmlns:ds="http://schemas.openxmlformats.org/officeDocument/2006/customXml" ds:itemID="{B2489F54-DA4D-4A3D-A19D-A046D01CDE5E}">
+  <ds:schemaRefs>
+    <ds:schemaRef ds:uri="56e83801-a659-49bf-8d8b-ccc9571eeed1"/>
+    <ds:schemaRef ds:uri="824f8c6b-dcc4-4ed9-b87d-1f17a1f5e90b"/>
+    <ds:schemaRef ds:uri="http://purl.org/dc/dcmitype/"/>
+    <ds:schemaRef ds:uri="http://purl.org/dc/elements/1.1/"/>
+    <ds:schemaRef ds:uri="http://purl.org/dc/terms/"/>
+    <ds:schemaRef ds:uri="http://schemas.microsoft.com/office/2006/documentManagement/types"/>
+    <ds:schemaRef ds:uri="http://schemas.microsoft.com/office/2006/metadata/properties"/>
+    <ds:schemaRef ds:uri="http://schemas.microsoft.com/office/infopath/2007/PartnerControls"/>
+    <ds:schemaRef ds:uri="http://schemas.openxmlformats.org/package/2006/metadata/core-properties"/>
+    <ds:schemaRef ds:uri="http://www.w3.org/XML/1998/namespace"/>
   </ds:schemaRefs>
 </ds:datastoreItem>
 </file>
--- a/Documentation/Power Pipelines and Enhanced ALM.pptx
+++ b/Documentation/Power Pipelines and Enhanced ALM.pptx
@@ -28,11 +28,24 @@
   <p:notesSz cx="6858000" cy="9144000"/>
   <p:embeddedFontLst>
     <p:embeddedFont>
-      <p:font typeface="Roboto" panose="020B0604020202020204" charset="0"/>
+      <p:font typeface="Merriweather Sans" pitchFamily="2" charset="0"/>
       <p:regular r:id="rId21"/>
-      <p:bold r:id="rId22"/>
-      <p:italic r:id="rId23"/>
-      <p:boldItalic r:id="rId24"/>
+    </p:embeddedFont>
+    <p:embeddedFont>
+      <p:font typeface="Poppins" panose="00000500000000000000" pitchFamily="2" charset="0"/>
+      <p:regular r:id="rId22"/>
+      <p:bold r:id="rId23"/>
+    </p:embeddedFont>
+    <p:embeddedFont>
+      <p:font typeface="Poppins SemiBold" panose="00000700000000000000" pitchFamily="2" charset="0"/>
+      <p:bold r:id="rId24"/>
+    </p:embeddedFont>
+    <p:embeddedFont>
+      <p:font typeface="Roboto" panose="02000000000000000000" pitchFamily="2" charset="0"/>
+      <p:regular r:id="rId25"/>
+      <p:bold r:id="rId26"/>
+      <p:italic r:id="rId27"/>
+      <p:boldItalic r:id="rId28"/>
     </p:embeddedFont>
   </p:embeddedFontLst>
   <p:defaultTextStyle>
@@ -324,7 +337,7 @@
   <pc:docChgLst>
     <pc:chgData name="Ed Williams" userId="f1ef7714-f454-49be-a7e6-f3d85124f79b" providerId="ADAL" clId="{43F09351-2914-47EE-842B-527BBD416BB5}"/>
     <pc:docChg chg="undo custSel addSld delSld modSld sldOrd addSection delSection modSection">
-      <pc:chgData name="Ed Williams" userId="f1ef7714-f454-49be-a7e6-f3d85124f79b" providerId="ADAL" clId="{43F09351-2914-47EE-842B-527BBD416BB5}" dt="2024-05-09T15:32:15.410" v="1770" actId="20577"/>
+      <pc:chgData name="Ed Williams" userId="f1ef7714-f454-49be-a7e6-f3d85124f79b" providerId="ADAL" clId="{43F09351-2914-47EE-842B-527BBD416BB5}" dt="2024-05-10T22:27:33.528" v="1771" actId="27116"/>
       <pc:docMkLst>
         <pc:docMk/>
       </pc:docMkLst>
@@ -489,7 +502,7 @@
         </pc:spChg>
       </pc:sldChg>
       <pc:sldChg chg="addSp delSp modSp new mod">
-        <pc:chgData name="Ed Williams" userId="f1ef7714-f454-49be-a7e6-f3d85124f79b" providerId="ADAL" clId="{43F09351-2914-47EE-842B-527BBD416BB5}" dt="2024-05-05T13:49:34.852" v="1546" actId="20577"/>
+        <pc:chgData name="Ed Williams" userId="f1ef7714-f454-49be-a7e6-f3d85124f79b" providerId="ADAL" clId="{43F09351-2914-47EE-842B-527BBD416BB5}" dt="2024-05-10T22:27:33.528" v="1771" actId="27116"/>
         <pc:sldMkLst>
           <pc:docMk/>
           <pc:sldMk cId="3837773678" sldId="418"/>
@@ -535,7 +548,7 @@
           </ac:graphicFrameMkLst>
         </pc:graphicFrameChg>
         <pc:graphicFrameChg chg="add mod modGraphic">
-          <ac:chgData name="Ed Williams" userId="f1ef7714-f454-49be-a7e6-f3d85124f79b" providerId="ADAL" clId="{43F09351-2914-47EE-842B-527BBD416BB5}" dt="2024-05-05T13:49:31.324" v="1537" actId="1038"/>
+          <ac:chgData name="Ed Williams" userId="f1ef7714-f454-49be-a7e6-f3d85124f79b" providerId="ADAL" clId="{43F09351-2914-47EE-842B-527BBD416BB5}" dt="2024-05-10T22:27:33.528" v="1771" actId="27116"/>
           <ac:graphicFrameMkLst>
             <pc:docMk/>
             <pc:sldMk cId="3837773678" sldId="418"/>
@@ -8318,7 +8331,7 @@
               <p:nvPr>
                 <p:extLst>
                   <p:ext uri="{D42A27DB-BD31-4B8C-83A1-F6EECF244321}">
-                    <p14:modId xmlns:p14="http://schemas.microsoft.com/office/powerpoint/2010/main" val="2194706281"/>
+                    <p14:modId xmlns:p14="http://schemas.microsoft.com/office/powerpoint/2010/main" val="2883490115"/>
                   </p:ext>
                 </p:extLst>
               </p:nvPr>
@@ -8331,7 +8344,7 @@
               <a:graphicData uri="http://schemas.microsoft.com/office/powerpoint/2016/sectionzoom">
                 <psez:sectionZm>
                   <psez:sectionZmObj sectionId="{12FB3CE5-5D68-4332-A17B-29428FED045A}">
-                    <psez:zmPr id="{D727F00A-C41D-4B45-A126-7044F8D3677B}" transitionDur="1000">
+                    <psez:zmPr id="{D727F00A-C41D-4B45-A126-7044F8D3677B}" returnToParent="0" transitionDur="1000">
                       <p166:blipFill xmlns:p166="http://schemas.microsoft.com/office/powerpoint/2016/6/main">
                         <a:blip r:embed="rId2"/>
                         <a:stretch>
@@ -9772,12 +9785,11 @@
 </file>
 
 <file path=customXml/item1.xml><?xml version="1.0" encoding="utf-8"?>
-<?mso-contentType ?>
-<FormTemplates xmlns="http://schemas.microsoft.com/sharepoint/v3/contenttype/forms">
-  <Display>DocumentLibraryForm</Display>
-  <Edit>DocumentLibraryForm</Edit>
-  <New>DocumentLibraryForm</New>
-</FormTemplates>
+<p:properties xmlns:p="http://schemas.microsoft.com/office/2006/metadata/properties" xmlns:xsi="http://www.w3.org/2001/XMLSchema-instance" xmlns:pc="http://schemas.microsoft.com/office/infopath/2007/PartnerControls">
+  <documentManagement>
+    <_activity xmlns="56e83801-a659-49bf-8d8b-ccc9571eeed1" xsi:nil="true"/>
+  </documentManagement>
+</p:properties>
 </file>
 
 <file path=customXml/item2.xml><?xml version="1.0" encoding="utf-8"?>
@@ -10014,17 +10026,27 @@
 </file>
 
 <file path=customXml/item3.xml><?xml version="1.0" encoding="utf-8"?>
-<p:properties xmlns:p="http://schemas.microsoft.com/office/2006/metadata/properties" xmlns:xsi="http://www.w3.org/2001/XMLSchema-instance" xmlns:pc="http://schemas.microsoft.com/office/infopath/2007/PartnerControls">
-  <documentManagement>
-    <_activity xmlns="56e83801-a659-49bf-8d8b-ccc9571eeed1" xsi:nil="true"/>
-  </documentManagement>
-</p:properties>
+<?mso-contentType ?>
+<FormTemplates xmlns="http://schemas.microsoft.com/sharepoint/v3/contenttype/forms">
+  <Display>DocumentLibraryForm</Display>
+  <Edit>DocumentLibraryForm</Edit>
+  <New>DocumentLibraryForm</New>
+</FormTemplates>
 </file>
 
 <file path=customXml/itemProps1.xml><?xml version="1.0" encoding="utf-8"?>
-<ds:datastoreItem xmlns:ds="http://schemas.openxmlformats.org/officeDocument/2006/customXml" ds:itemID="{9BA37A81-CC13-4284-92CD-12D270CAB15B}">
+<ds:datastoreItem xmlns:ds="http://schemas.openxmlformats.org/officeDocument/2006/customXml" ds:itemID="{B2489F54-DA4D-4A3D-A19D-A046D01CDE5E}">
   <ds:schemaRefs>
-    <ds:schemaRef ds:uri="http://schemas.microsoft.com/sharepoint/v3/contenttype/forms"/>
+    <ds:schemaRef ds:uri="56e83801-a659-49bf-8d8b-ccc9571eeed1"/>
+    <ds:schemaRef ds:uri="824f8c6b-dcc4-4ed9-b87d-1f17a1f5e90b"/>
+    <ds:schemaRef ds:uri="http://purl.org/dc/dcmitype/"/>
+    <ds:schemaRef ds:uri="http://purl.org/dc/elements/1.1/"/>
+    <ds:schemaRef ds:uri="http://purl.org/dc/terms/"/>
+    <ds:schemaRef ds:uri="http://schemas.microsoft.com/office/2006/documentManagement/types"/>
+    <ds:schemaRef ds:uri="http://schemas.microsoft.com/office/2006/metadata/properties"/>
+    <ds:schemaRef ds:uri="http://schemas.microsoft.com/office/infopath/2007/PartnerControls"/>
+    <ds:schemaRef ds:uri="http://schemas.openxmlformats.org/package/2006/metadata/core-properties"/>
+    <ds:schemaRef ds:uri="http://www.w3.org/XML/1998/namespace"/>
   </ds:schemaRefs>
 </ds:datastoreItem>
 </file>
@@ -10049,18 +10071,9 @@
 </file>
 
 <file path=customXml/itemProps3.xml><?xml version="1.0" encoding="utf-8"?>
-<ds:datastoreItem xmlns:ds="http://schemas.openxmlformats.org/officeDocument/2006/customXml" ds:itemID="{B2489F54-DA4D-4A3D-A19D-A046D01CDE5E}">
+<ds:datastoreItem xmlns:ds="http://schemas.openxmlformats.org/officeDocument/2006/customXml" ds:itemID="{9BA37A81-CC13-4284-92CD-12D270CAB15B}">
   <ds:schemaRefs>
-    <ds:schemaRef ds:uri="56e83801-a659-49bf-8d8b-ccc9571eeed1"/>
-    <ds:schemaRef ds:uri="824f8c6b-dcc4-4ed9-b87d-1f17a1f5e90b"/>
-    <ds:schemaRef ds:uri="http://purl.org/dc/dcmitype/"/>
-    <ds:schemaRef ds:uri="http://purl.org/dc/elements/1.1/"/>
-    <ds:schemaRef ds:uri="http://purl.org/dc/terms/"/>
-    <ds:schemaRef ds:uri="http://schemas.microsoft.com/office/2006/documentManagement/types"/>
-    <ds:schemaRef ds:uri="http://schemas.microsoft.com/office/2006/metadata/properties"/>
-    <ds:schemaRef ds:uri="http://schemas.microsoft.com/office/infopath/2007/PartnerControls"/>
-    <ds:schemaRef ds:uri="http://schemas.openxmlformats.org/package/2006/metadata/core-properties"/>
-    <ds:schemaRef ds:uri="http://www.w3.org/XML/1998/namespace"/>
+    <ds:schemaRef ds:uri="http://schemas.microsoft.com/sharepoint/v3/contenttype/forms"/>
   </ds:schemaRefs>
 </ds:datastoreItem>
 </file>